--- a/ppts/Modulo 2/5485 - M02A01.pptx
+++ b/ppts/Modulo 2/5485 - M02A01.pptx
@@ -9,9 +9,22 @@
     <p:sldId id="286" r:id="rId3"/>
     <p:sldId id="347" r:id="rId4"/>
     <p:sldId id="264" r:id="rId5"/>
-    <p:sldId id="361" r:id="rId6"/>
-    <p:sldId id="295" r:id="rId7"/>
-    <p:sldId id="352" r:id="rId8"/>
+    <p:sldId id="362" r:id="rId6"/>
+    <p:sldId id="361" r:id="rId7"/>
+    <p:sldId id="363" r:id="rId8"/>
+    <p:sldId id="364" r:id="rId9"/>
+    <p:sldId id="365" r:id="rId10"/>
+    <p:sldId id="366" r:id="rId11"/>
+    <p:sldId id="367" r:id="rId12"/>
+    <p:sldId id="368" r:id="rId13"/>
+    <p:sldId id="369" r:id="rId14"/>
+    <p:sldId id="370" r:id="rId15"/>
+    <p:sldId id="371" r:id="rId16"/>
+    <p:sldId id="372" r:id="rId17"/>
+    <p:sldId id="373" r:id="rId18"/>
+    <p:sldId id="374" r:id="rId19"/>
+    <p:sldId id="375" r:id="rId20"/>
+    <p:sldId id="376" r:id="rId21"/>
   </p:sldIdLst>
   <p:sldSz cx="12192000" cy="6858000"/>
   <p:notesSz cx="6858000" cy="9144000"/>
@@ -112,7 +125,7 @@
   </p:defaultTextStyle>
   <p:extLst>
     <p:ext uri="{EFAFB233-063F-42B5-8137-9DF3F51BA10A}">
-      <p15:sldGuideLst xmlns:p15="http://schemas.microsoft.com/office/powerpoint/2012/main" xmlns=""/>
+      <p15:sldGuideLst xmlns="" xmlns:p15="http://schemas.microsoft.com/office/powerpoint/2012/main"/>
     </p:ext>
   </p:extLst>
 </p:presentation>
@@ -3061,6 +3074,1393 @@
 </p:sld>
 </file>
 
+<file path=ppt/slides/slide10.xml><?xml version="1.0" encoding="utf-8"?>
+<p:sld xmlns:a="http://schemas.openxmlformats.org/drawingml/2006/main" xmlns:r="http://schemas.openxmlformats.org/officeDocument/2006/relationships" xmlns:p="http://schemas.openxmlformats.org/presentationml/2006/main">
+  <p:cSld>
+    <p:bg>
+      <p:bgPr>
+        <a:blipFill dpi="0" rotWithShape="1">
+          <a:blip r:embed="rId2">
+            <a:lum/>
+          </a:blip>
+          <a:srcRect/>
+          <a:stretch>
+            <a:fillRect/>
+          </a:stretch>
+        </a:blipFill>
+        <a:effectLst/>
+      </p:bgPr>
+    </p:bg>
+    <p:spTree>
+      <p:nvGrpSpPr>
+        <p:cNvPr id="1" name=""/>
+        <p:cNvGrpSpPr/>
+        <p:nvPr/>
+      </p:nvGrpSpPr>
+      <p:grpSpPr>
+        <a:xfrm>
+          <a:off x="0" y="0"/>
+          <a:ext cx="0" cy="0"/>
+          <a:chOff x="0" y="0"/>
+          <a:chExt cx="0" cy="0"/>
+        </a:xfrm>
+      </p:grpSpPr>
+      <p:sp>
+        <p:nvSpPr>
+          <p:cNvPr id="2" name="Título 1"/>
+          <p:cNvSpPr>
+            <a:spLocks noGrp="1"/>
+          </p:cNvSpPr>
+          <p:nvPr>
+            <p:ph type="title"/>
+          </p:nvPr>
+        </p:nvSpPr>
+        <p:spPr/>
+        <p:txBody>
+          <a:bodyPr/>
+          <a:lstStyle/>
+          <a:p>
+            <a:r>
+              <a:rPr lang="pt-BR" dirty="0" err="1" smtClean="0"/>
+              <a:t>Grunt</a:t>
+            </a:r>
+            <a:endParaRPr lang="pt-BR" dirty="0"/>
+          </a:p>
+        </p:txBody>
+      </p:sp>
+      <p:sp>
+        <p:nvSpPr>
+          <p:cNvPr id="5" name="Espaço Reservado para Conteúdo 4"/>
+          <p:cNvSpPr>
+            <a:spLocks noGrp="1"/>
+          </p:cNvSpPr>
+          <p:nvPr>
+            <p:ph idx="1"/>
+          </p:nvPr>
+        </p:nvSpPr>
+        <p:spPr/>
+        <p:txBody>
+          <a:bodyPr/>
+          <a:lstStyle/>
+          <a:p>
+            <a:r>
+              <a:rPr lang="pt-BR" dirty="0" err="1" smtClean="0"/>
+              <a:t>Automatizador</a:t>
+            </a:r>
+            <a:r>
+              <a:rPr lang="pt-BR" dirty="0" smtClean="0"/>
+              <a:t> de tarefas</a:t>
+            </a:r>
+          </a:p>
+          <a:p>
+            <a:r>
+              <a:rPr lang="pt-BR" dirty="0" smtClean="0"/>
+              <a:t>Escrita em </a:t>
+            </a:r>
+            <a:r>
+              <a:rPr lang="pt-BR" dirty="0" err="1" smtClean="0"/>
+              <a:t>javascript</a:t>
+            </a:r>
+            <a:endParaRPr lang="pt-BR" dirty="0" smtClean="0"/>
+          </a:p>
+          <a:p>
+            <a:r>
+              <a:rPr lang="pt-BR" dirty="0" smtClean="0"/>
+              <a:t>Muitos editores suportam</a:t>
+            </a:r>
+          </a:p>
+          <a:p>
+            <a:r>
+              <a:rPr lang="pt-BR" dirty="0" smtClean="0"/>
+              <a:t>Alternativa ao </a:t>
+            </a:r>
+            <a:r>
+              <a:rPr lang="pt-BR" dirty="0" err="1" smtClean="0"/>
+              <a:t>gulp</a:t>
+            </a:r>
+            <a:endParaRPr lang="pt-BR" dirty="0" smtClean="0"/>
+          </a:p>
+        </p:txBody>
+      </p:sp>
+    </p:spTree>
+    <p:extLst>
+      <p:ext uri="{BB962C8B-B14F-4D97-AF65-F5344CB8AC3E}">
+        <p14:creationId xmlns:p14="http://schemas.microsoft.com/office/powerpoint/2010/main" val="1009041840"/>
+      </p:ext>
+    </p:extLst>
+  </p:cSld>
+  <p:clrMapOvr>
+    <a:masterClrMapping/>
+  </p:clrMapOvr>
+  <p:transition xmlns:p14="http://schemas.microsoft.com/office/powerpoint/2010/main" spd="slow">
+    <p:push dir="u"/>
+  </p:transition>
+  <p:timing>
+    <p:tnLst>
+      <p:par>
+        <p:cTn xmlns:p14="http://schemas.microsoft.com/office/powerpoint/2010/main" id="1" dur="indefinite" restart="never" nodeType="tmRoot"/>
+      </p:par>
+    </p:tnLst>
+  </p:timing>
+</p:sld>
+</file>
+
+<file path=ppt/slides/slide11.xml><?xml version="1.0" encoding="utf-8"?>
+<p:sld xmlns:a="http://schemas.openxmlformats.org/drawingml/2006/main" xmlns:r="http://schemas.openxmlformats.org/officeDocument/2006/relationships" xmlns:p="http://schemas.openxmlformats.org/presentationml/2006/main">
+  <p:cSld>
+    <p:bg>
+      <p:bgPr>
+        <a:blipFill dpi="0" rotWithShape="1">
+          <a:blip r:embed="rId2">
+            <a:lum/>
+          </a:blip>
+          <a:srcRect/>
+          <a:stretch>
+            <a:fillRect/>
+          </a:stretch>
+        </a:blipFill>
+        <a:effectLst/>
+      </p:bgPr>
+    </p:bg>
+    <p:spTree>
+      <p:nvGrpSpPr>
+        <p:cNvPr id="1" name=""/>
+        <p:cNvGrpSpPr/>
+        <p:nvPr/>
+      </p:nvGrpSpPr>
+      <p:grpSpPr>
+        <a:xfrm>
+          <a:off x="0" y="0"/>
+          <a:ext cx="0" cy="0"/>
+          <a:chOff x="0" y="0"/>
+          <a:chExt cx="0" cy="0"/>
+        </a:xfrm>
+      </p:grpSpPr>
+      <p:sp>
+        <p:nvSpPr>
+          <p:cNvPr id="2" name="Título 1"/>
+          <p:cNvSpPr>
+            <a:spLocks noGrp="1"/>
+          </p:cNvSpPr>
+          <p:nvPr>
+            <p:ph type="title"/>
+          </p:nvPr>
+        </p:nvSpPr>
+        <p:spPr/>
+        <p:txBody>
+          <a:bodyPr/>
+          <a:lstStyle/>
+          <a:p>
+            <a:r>
+              <a:rPr lang="pt-BR" dirty="0" err="1" smtClean="0"/>
+              <a:t>Yeoman</a:t>
+            </a:r>
+            <a:endParaRPr lang="pt-BR" dirty="0"/>
+          </a:p>
+        </p:txBody>
+      </p:sp>
+      <p:sp>
+        <p:nvSpPr>
+          <p:cNvPr id="5" name="Espaço Reservado para Conteúdo 4"/>
+          <p:cNvSpPr>
+            <a:spLocks noGrp="1"/>
+          </p:cNvSpPr>
+          <p:nvPr>
+            <p:ph idx="1"/>
+          </p:nvPr>
+        </p:nvSpPr>
+        <p:spPr/>
+        <p:txBody>
+          <a:bodyPr/>
+          <a:lstStyle/>
+          <a:p>
+            <a:r>
+              <a:rPr lang="pt-BR" dirty="0" smtClean="0"/>
+              <a:t>Gerenciador de </a:t>
+            </a:r>
+            <a:r>
+              <a:rPr lang="pt-BR" dirty="0" err="1" smtClean="0"/>
+              <a:t>templates</a:t>
+            </a:r>
+            <a:endParaRPr lang="pt-BR" dirty="0" smtClean="0"/>
+          </a:p>
+          <a:p>
+            <a:r>
+              <a:rPr lang="pt-BR" dirty="0" smtClean="0"/>
+              <a:t>Inicia uma aplicaç</a:t>
+            </a:r>
+            <a:r>
+              <a:rPr lang="pt-BR" dirty="0" smtClean="0"/>
+              <a:t>ão de uma determinada tecnologia</a:t>
+            </a:r>
+          </a:p>
+          <a:p>
+            <a:r>
+              <a:rPr lang="pt-BR" dirty="0" smtClean="0"/>
+              <a:t>Um </a:t>
+            </a:r>
+            <a:r>
+              <a:rPr lang="pt-BR" dirty="0" err="1" smtClean="0"/>
+              <a:t>bootstrapper</a:t>
+            </a:r>
+            <a:endParaRPr lang="pt-BR" dirty="0" smtClean="0"/>
+          </a:p>
+        </p:txBody>
+      </p:sp>
+    </p:spTree>
+    <p:extLst>
+      <p:ext uri="{BB962C8B-B14F-4D97-AF65-F5344CB8AC3E}">
+        <p14:creationId xmlns:p14="http://schemas.microsoft.com/office/powerpoint/2010/main" val="2920435599"/>
+      </p:ext>
+    </p:extLst>
+  </p:cSld>
+  <p:clrMapOvr>
+    <a:masterClrMapping/>
+  </p:clrMapOvr>
+  <p:transition xmlns:p14="http://schemas.microsoft.com/office/powerpoint/2010/main" spd="slow">
+    <p:push dir="u"/>
+  </p:transition>
+  <p:timing>
+    <p:tnLst>
+      <p:par>
+        <p:cTn xmlns:p14="http://schemas.microsoft.com/office/powerpoint/2010/main" id="1" dur="indefinite" restart="never" nodeType="tmRoot"/>
+      </p:par>
+    </p:tnLst>
+  </p:timing>
+</p:sld>
+</file>
+
+<file path=ppt/slides/slide12.xml><?xml version="1.0" encoding="utf-8"?>
+<p:sld xmlns:a="http://schemas.openxmlformats.org/drawingml/2006/main" xmlns:r="http://schemas.openxmlformats.org/officeDocument/2006/relationships" xmlns:p="http://schemas.openxmlformats.org/presentationml/2006/main">
+  <p:cSld>
+    <p:bg>
+      <p:bgPr>
+        <a:blipFill dpi="0" rotWithShape="1">
+          <a:blip r:embed="rId2">
+            <a:lum/>
+          </a:blip>
+          <a:srcRect/>
+          <a:stretch>
+            <a:fillRect/>
+          </a:stretch>
+        </a:blipFill>
+        <a:effectLst/>
+      </p:bgPr>
+    </p:bg>
+    <p:spTree>
+      <p:nvGrpSpPr>
+        <p:cNvPr id="1" name=""/>
+        <p:cNvGrpSpPr/>
+        <p:nvPr/>
+      </p:nvGrpSpPr>
+      <p:grpSpPr>
+        <a:xfrm>
+          <a:off x="0" y="0"/>
+          <a:ext cx="0" cy="0"/>
+          <a:chOff x="0" y="0"/>
+          <a:chExt cx="0" cy="0"/>
+        </a:xfrm>
+      </p:grpSpPr>
+      <p:sp>
+        <p:nvSpPr>
+          <p:cNvPr id="2" name="Título 1"/>
+          <p:cNvSpPr>
+            <a:spLocks noGrp="1"/>
+          </p:cNvSpPr>
+          <p:nvPr>
+            <p:ph type="title"/>
+          </p:nvPr>
+        </p:nvSpPr>
+        <p:spPr/>
+        <p:txBody>
+          <a:bodyPr/>
+          <a:lstStyle/>
+          <a:p>
+            <a:r>
+              <a:rPr lang="pt-BR" dirty="0" smtClean="0"/>
+              <a:t>Editores de C</a:t>
+            </a:r>
+            <a:r>
+              <a:rPr lang="pt-BR" dirty="0" smtClean="0"/>
+              <a:t>ódigo</a:t>
+            </a:r>
+            <a:endParaRPr lang="pt-BR" dirty="0"/>
+          </a:p>
+        </p:txBody>
+      </p:sp>
+      <p:sp>
+        <p:nvSpPr>
+          <p:cNvPr id="4" name="Espaço Reservado para Texto 3"/>
+          <p:cNvSpPr>
+            <a:spLocks noGrp="1"/>
+          </p:cNvSpPr>
+          <p:nvPr>
+            <p:ph type="body" idx="1"/>
+          </p:nvPr>
+        </p:nvSpPr>
+        <p:spPr/>
+        <p:txBody>
+          <a:bodyPr/>
+          <a:lstStyle/>
+          <a:p>
+            <a:pPr marL="0" lvl="1">
+              <a:spcBef>
+                <a:spcPts val="1000"/>
+              </a:spcBef>
+            </a:pPr>
+            <a:r>
+              <a:rPr lang="pt-BR" dirty="0" smtClean="0"/>
+              <a:t>Módulo 2 – Aula </a:t>
+            </a:r>
+            <a:r>
+              <a:rPr lang="pt-BR" dirty="0" smtClean="0"/>
+              <a:t>4</a:t>
+            </a:r>
+            <a:endParaRPr lang="pt-BR" dirty="0" smtClean="0"/>
+          </a:p>
+        </p:txBody>
+      </p:sp>
+    </p:spTree>
+    <p:extLst>
+      <p:ext uri="{BB962C8B-B14F-4D97-AF65-F5344CB8AC3E}">
+        <p14:creationId xmlns:p14="http://schemas.microsoft.com/office/powerpoint/2010/main" val="3399973624"/>
+      </p:ext>
+    </p:extLst>
+  </p:cSld>
+  <p:clrMapOvr>
+    <a:masterClrMapping/>
+  </p:clrMapOvr>
+  <p:transition xmlns:p14="http://schemas.microsoft.com/office/powerpoint/2010/main" spd="slow">
+    <p:push dir="u"/>
+  </p:transition>
+  <p:timing>
+    <p:tnLst>
+      <p:par>
+        <p:cTn xmlns:p14="http://schemas.microsoft.com/office/powerpoint/2010/main" id="1" dur="indefinite" restart="never" nodeType="tmRoot"/>
+      </p:par>
+    </p:tnLst>
+  </p:timing>
+</p:sld>
+</file>
+
+<file path=ppt/slides/slide13.xml><?xml version="1.0" encoding="utf-8"?>
+<p:sld xmlns:a="http://schemas.openxmlformats.org/drawingml/2006/main" xmlns:r="http://schemas.openxmlformats.org/officeDocument/2006/relationships" xmlns:p="http://schemas.openxmlformats.org/presentationml/2006/main">
+  <p:cSld>
+    <p:bg>
+      <p:bgPr>
+        <a:blipFill dpi="0" rotWithShape="1">
+          <a:blip r:embed="rId2">
+            <a:lum/>
+          </a:blip>
+          <a:srcRect/>
+          <a:stretch>
+            <a:fillRect/>
+          </a:stretch>
+        </a:blipFill>
+        <a:effectLst/>
+      </p:bgPr>
+    </p:bg>
+    <p:spTree>
+      <p:nvGrpSpPr>
+        <p:cNvPr id="1" name=""/>
+        <p:cNvGrpSpPr/>
+        <p:nvPr/>
+      </p:nvGrpSpPr>
+      <p:grpSpPr>
+        <a:xfrm>
+          <a:off x="0" y="0"/>
+          <a:ext cx="0" cy="0"/>
+          <a:chOff x="0" y="0"/>
+          <a:chExt cx="0" cy="0"/>
+        </a:xfrm>
+      </p:grpSpPr>
+      <p:sp>
+        <p:nvSpPr>
+          <p:cNvPr id="2" name="Título 1"/>
+          <p:cNvSpPr>
+            <a:spLocks noGrp="1"/>
+          </p:cNvSpPr>
+          <p:nvPr>
+            <p:ph type="title"/>
+          </p:nvPr>
+        </p:nvSpPr>
+        <p:spPr/>
+        <p:txBody>
+          <a:bodyPr/>
+          <a:lstStyle/>
+          <a:p>
+            <a:r>
+              <a:rPr lang="pt-BR" dirty="0" smtClean="0"/>
+              <a:t>Editores de C</a:t>
+            </a:r>
+            <a:r>
+              <a:rPr lang="pt-BR" dirty="0" smtClean="0"/>
+              <a:t>ódigo</a:t>
+            </a:r>
+            <a:endParaRPr lang="pt-BR" dirty="0"/>
+          </a:p>
+        </p:txBody>
+      </p:sp>
+      <p:sp>
+        <p:nvSpPr>
+          <p:cNvPr id="5" name="Espaço Reservado para Conteúdo 4"/>
+          <p:cNvSpPr>
+            <a:spLocks noGrp="1"/>
+          </p:cNvSpPr>
+          <p:nvPr>
+            <p:ph idx="1"/>
+          </p:nvPr>
+        </p:nvSpPr>
+        <p:spPr/>
+        <p:txBody>
+          <a:bodyPr numCol="2">
+            <a:normAutofit/>
+          </a:bodyPr>
+          <a:lstStyle/>
+          <a:p>
+            <a:pPr fontAlgn="base"/>
+            <a:r>
+              <a:rPr lang="pt-BR" dirty="0" smtClean="0"/>
+              <a:t>Visual </a:t>
+            </a:r>
+            <a:r>
+              <a:rPr lang="pt-BR" dirty="0" err="1" smtClean="0"/>
+              <a:t>studio</a:t>
+            </a:r>
+            <a:r>
+              <a:rPr lang="pt-BR" dirty="0" smtClean="0"/>
+              <a:t> </a:t>
+            </a:r>
+            <a:r>
+              <a:rPr lang="pt-BR" dirty="0" err="1" smtClean="0"/>
+              <a:t>code</a:t>
+            </a:r>
+            <a:r>
+              <a:rPr lang="pt-BR" dirty="0" smtClean="0"/>
+              <a:t> - </a:t>
+            </a:r>
+            <a:r>
+              <a:rPr lang="pt-BR" dirty="0" err="1" smtClean="0"/>
+              <a:t>free</a:t>
+            </a:r>
+            <a:endParaRPr lang="pt-BR" dirty="0" smtClean="0"/>
+          </a:p>
+          <a:p>
+            <a:pPr lvl="1" fontAlgn="base"/>
+            <a:r>
+              <a:rPr lang="pt-BR" dirty="0" smtClean="0"/>
+              <a:t>Rec</a:t>
+            </a:r>
+            <a:r>
+              <a:rPr lang="pt-BR" dirty="0" smtClean="0"/>
+              <a:t>ém </a:t>
+            </a:r>
+            <a:r>
+              <a:rPr lang="pt-BR" dirty="0" err="1" smtClean="0"/>
+              <a:t>cehgado</a:t>
+            </a:r>
+            <a:endParaRPr lang="pt-BR" dirty="0" smtClean="0"/>
+          </a:p>
+          <a:p>
+            <a:pPr lvl="1" fontAlgn="base"/>
+            <a:r>
+              <a:rPr lang="pt-BR" dirty="0" smtClean="0"/>
+              <a:t>Bom suporte ao </a:t>
+            </a:r>
+            <a:r>
+              <a:rPr lang="pt-BR" dirty="0" err="1" smtClean="0"/>
+              <a:t>nodejs</a:t>
+            </a:r>
+            <a:endParaRPr lang="pt-BR" dirty="0" smtClean="0"/>
+          </a:p>
+          <a:p>
+            <a:pPr lvl="1" fontAlgn="base"/>
+            <a:r>
+              <a:rPr lang="pt-BR" dirty="0" smtClean="0"/>
+              <a:t>Suporte ao </a:t>
+            </a:r>
+            <a:r>
+              <a:rPr lang="pt-BR" dirty="0" err="1" smtClean="0"/>
+              <a:t>asp.net</a:t>
+            </a:r>
+            <a:r>
+              <a:rPr lang="pt-BR" dirty="0" smtClean="0"/>
+              <a:t> </a:t>
+            </a:r>
+            <a:r>
+              <a:rPr lang="pt-BR" dirty="0" err="1" smtClean="0"/>
+              <a:t>vnext</a:t>
+            </a:r>
+            <a:r>
+              <a:rPr lang="pt-BR" dirty="0" smtClean="0"/>
+              <a:t> nativo</a:t>
+            </a:r>
+            <a:endParaRPr lang="pt-BR" dirty="0"/>
+          </a:p>
+        </p:txBody>
+      </p:sp>
+    </p:spTree>
+    <p:extLst>
+      <p:ext uri="{BB962C8B-B14F-4D97-AF65-F5344CB8AC3E}">
+        <p14:creationId xmlns:p14="http://schemas.microsoft.com/office/powerpoint/2010/main" val="3335807967"/>
+      </p:ext>
+    </p:extLst>
+  </p:cSld>
+  <p:clrMapOvr>
+    <a:masterClrMapping/>
+  </p:clrMapOvr>
+  <p:transition xmlns:p14="http://schemas.microsoft.com/office/powerpoint/2010/main" spd="slow">
+    <p:push dir="u"/>
+  </p:transition>
+  <p:timing>
+    <p:tnLst>
+      <p:par>
+        <p:cTn xmlns:p14="http://schemas.microsoft.com/office/powerpoint/2010/main" id="1" dur="indefinite" restart="never" nodeType="tmRoot"/>
+      </p:par>
+    </p:tnLst>
+  </p:timing>
+</p:sld>
+</file>
+
+<file path=ppt/slides/slide14.xml><?xml version="1.0" encoding="utf-8"?>
+<p:sld xmlns:a="http://schemas.openxmlformats.org/drawingml/2006/main" xmlns:r="http://schemas.openxmlformats.org/officeDocument/2006/relationships" xmlns:p="http://schemas.openxmlformats.org/presentationml/2006/main">
+  <p:cSld>
+    <p:bg>
+      <p:bgPr>
+        <a:blipFill dpi="0" rotWithShape="1">
+          <a:blip r:embed="rId2">
+            <a:lum/>
+          </a:blip>
+          <a:srcRect/>
+          <a:stretch>
+            <a:fillRect/>
+          </a:stretch>
+        </a:blipFill>
+        <a:effectLst/>
+      </p:bgPr>
+    </p:bg>
+    <p:spTree>
+      <p:nvGrpSpPr>
+        <p:cNvPr id="1" name=""/>
+        <p:cNvGrpSpPr/>
+        <p:nvPr/>
+      </p:nvGrpSpPr>
+      <p:grpSpPr>
+        <a:xfrm>
+          <a:off x="0" y="0"/>
+          <a:ext cx="0" cy="0"/>
+          <a:chOff x="0" y="0"/>
+          <a:chExt cx="0" cy="0"/>
+        </a:xfrm>
+      </p:grpSpPr>
+      <p:sp>
+        <p:nvSpPr>
+          <p:cNvPr id="2" name="Título 1"/>
+          <p:cNvSpPr>
+            <a:spLocks noGrp="1"/>
+          </p:cNvSpPr>
+          <p:nvPr>
+            <p:ph type="title"/>
+          </p:nvPr>
+        </p:nvSpPr>
+        <p:spPr/>
+        <p:txBody>
+          <a:bodyPr/>
+          <a:lstStyle/>
+          <a:p>
+            <a:r>
+              <a:rPr lang="pt-BR" dirty="0" smtClean="0"/>
+              <a:t>Editores de C</a:t>
+            </a:r>
+            <a:r>
+              <a:rPr lang="pt-BR" dirty="0" smtClean="0"/>
+              <a:t>ódigo</a:t>
+            </a:r>
+            <a:endParaRPr lang="pt-BR" dirty="0"/>
+          </a:p>
+        </p:txBody>
+      </p:sp>
+      <p:sp>
+        <p:nvSpPr>
+          <p:cNvPr id="5" name="Espaço Reservado para Conteúdo 4"/>
+          <p:cNvSpPr>
+            <a:spLocks noGrp="1"/>
+          </p:cNvSpPr>
+          <p:nvPr>
+            <p:ph idx="1"/>
+          </p:nvPr>
+        </p:nvSpPr>
+        <p:spPr/>
+        <p:txBody>
+          <a:bodyPr numCol="2">
+            <a:normAutofit/>
+          </a:bodyPr>
+          <a:lstStyle/>
+          <a:p>
+            <a:pPr fontAlgn="base"/>
+            <a:r>
+              <a:rPr lang="pt-BR" dirty="0"/>
+              <a:t>Sublime – </a:t>
+            </a:r>
+            <a:r>
+              <a:rPr lang="pt-BR" dirty="0" err="1"/>
+              <a:t>free</a:t>
+            </a:r>
+            <a:r>
+              <a:rPr lang="pt-BR" dirty="0"/>
+              <a:t>*</a:t>
+            </a:r>
+          </a:p>
+          <a:p>
+            <a:pPr lvl="1" fontAlgn="base"/>
+            <a:r>
+              <a:rPr lang="pt-BR" dirty="0"/>
+              <a:t>Consolidado no mercado</a:t>
+            </a:r>
+          </a:p>
+          <a:p>
+            <a:pPr lvl="1" fontAlgn="base"/>
+            <a:r>
+              <a:rPr lang="pt-BR" dirty="0"/>
+              <a:t>Muitos </a:t>
+            </a:r>
+            <a:r>
+              <a:rPr lang="pt-BR" dirty="0" err="1"/>
+              <a:t>plugins</a:t>
+            </a:r>
+            <a:endParaRPr lang="pt-BR" dirty="0"/>
+          </a:p>
+          <a:p>
+            <a:pPr lvl="1" fontAlgn="base"/>
+            <a:r>
+              <a:rPr lang="pt-BR" dirty="0"/>
+              <a:t>Adorado pela </a:t>
+            </a:r>
+            <a:r>
+              <a:rPr lang="pt-BR" dirty="0" smtClean="0"/>
+              <a:t>comunidade</a:t>
+            </a:r>
+            <a:endParaRPr lang="pt-BR" dirty="0"/>
+          </a:p>
+        </p:txBody>
+      </p:sp>
+    </p:spTree>
+    <p:extLst>
+      <p:ext uri="{BB962C8B-B14F-4D97-AF65-F5344CB8AC3E}">
+        <p14:creationId xmlns:p14="http://schemas.microsoft.com/office/powerpoint/2010/main" val="3724057370"/>
+      </p:ext>
+    </p:extLst>
+  </p:cSld>
+  <p:clrMapOvr>
+    <a:masterClrMapping/>
+  </p:clrMapOvr>
+  <p:transition xmlns:p14="http://schemas.microsoft.com/office/powerpoint/2010/main" spd="slow">
+    <p:push dir="u"/>
+  </p:transition>
+  <p:timing>
+    <p:tnLst>
+      <p:par>
+        <p:cTn xmlns:p14="http://schemas.microsoft.com/office/powerpoint/2010/main" id="1" dur="indefinite" restart="never" nodeType="tmRoot"/>
+      </p:par>
+    </p:tnLst>
+  </p:timing>
+</p:sld>
+</file>
+
+<file path=ppt/slides/slide15.xml><?xml version="1.0" encoding="utf-8"?>
+<p:sld xmlns:a="http://schemas.openxmlformats.org/drawingml/2006/main" xmlns:r="http://schemas.openxmlformats.org/officeDocument/2006/relationships" xmlns:p="http://schemas.openxmlformats.org/presentationml/2006/main">
+  <p:cSld>
+    <p:bg>
+      <p:bgPr>
+        <a:blipFill dpi="0" rotWithShape="1">
+          <a:blip r:embed="rId2">
+            <a:lum/>
+          </a:blip>
+          <a:srcRect/>
+          <a:stretch>
+            <a:fillRect/>
+          </a:stretch>
+        </a:blipFill>
+        <a:effectLst/>
+      </p:bgPr>
+    </p:bg>
+    <p:spTree>
+      <p:nvGrpSpPr>
+        <p:cNvPr id="1" name=""/>
+        <p:cNvGrpSpPr/>
+        <p:nvPr/>
+      </p:nvGrpSpPr>
+      <p:grpSpPr>
+        <a:xfrm>
+          <a:off x="0" y="0"/>
+          <a:ext cx="0" cy="0"/>
+          <a:chOff x="0" y="0"/>
+          <a:chExt cx="0" cy="0"/>
+        </a:xfrm>
+      </p:grpSpPr>
+      <p:sp>
+        <p:nvSpPr>
+          <p:cNvPr id="2" name="Título 1"/>
+          <p:cNvSpPr>
+            <a:spLocks noGrp="1"/>
+          </p:cNvSpPr>
+          <p:nvPr>
+            <p:ph type="title"/>
+          </p:nvPr>
+        </p:nvSpPr>
+        <p:spPr/>
+        <p:txBody>
+          <a:bodyPr/>
+          <a:lstStyle/>
+          <a:p>
+            <a:r>
+              <a:rPr lang="pt-BR" dirty="0" smtClean="0"/>
+              <a:t>Editores de C</a:t>
+            </a:r>
+            <a:r>
+              <a:rPr lang="pt-BR" dirty="0" smtClean="0"/>
+              <a:t>ódigo</a:t>
+            </a:r>
+            <a:endParaRPr lang="pt-BR" dirty="0"/>
+          </a:p>
+        </p:txBody>
+      </p:sp>
+      <p:sp>
+        <p:nvSpPr>
+          <p:cNvPr id="5" name="Espaço Reservado para Conteúdo 4"/>
+          <p:cNvSpPr>
+            <a:spLocks noGrp="1"/>
+          </p:cNvSpPr>
+          <p:nvPr>
+            <p:ph idx="1"/>
+          </p:nvPr>
+        </p:nvSpPr>
+        <p:spPr/>
+        <p:txBody>
+          <a:bodyPr numCol="2">
+            <a:normAutofit/>
+          </a:bodyPr>
+          <a:lstStyle/>
+          <a:p>
+            <a:pPr fontAlgn="base"/>
+            <a:r>
+              <a:rPr lang="pt-BR" dirty="0" err="1"/>
+              <a:t>Brackets</a:t>
+            </a:r>
+            <a:r>
+              <a:rPr lang="pt-BR" dirty="0"/>
+              <a:t> - </a:t>
+            </a:r>
+            <a:r>
+              <a:rPr lang="pt-BR" dirty="0" err="1"/>
+              <a:t>free</a:t>
+            </a:r>
+            <a:endParaRPr lang="pt-BR" dirty="0"/>
+          </a:p>
+          <a:p>
+            <a:pPr lvl="1" fontAlgn="base"/>
+            <a:r>
+              <a:rPr lang="pt-BR" dirty="0"/>
+              <a:t>Chegou há pouco tempo</a:t>
+            </a:r>
+          </a:p>
+          <a:p>
+            <a:pPr lvl="1" fontAlgn="base"/>
+            <a:r>
+              <a:rPr lang="pt-BR" dirty="0"/>
+              <a:t>Suporta vários </a:t>
+            </a:r>
+            <a:r>
+              <a:rPr lang="pt-BR" dirty="0" err="1"/>
+              <a:t>plugins</a:t>
+            </a:r>
+            <a:r>
+              <a:rPr lang="pt-BR" dirty="0"/>
+              <a:t> do sublime</a:t>
+            </a:r>
+          </a:p>
+          <a:p>
+            <a:pPr lvl="1" fontAlgn="base"/>
+            <a:r>
+              <a:rPr lang="pt-BR" dirty="0"/>
+              <a:t>Criado pela adobe</a:t>
+            </a:r>
+          </a:p>
+          <a:p>
+            <a:pPr lvl="1" fontAlgn="base"/>
+            <a:r>
+              <a:rPr lang="pt-BR" dirty="0"/>
+              <a:t>Suporte a layouts do </a:t>
+            </a:r>
+            <a:r>
+              <a:rPr lang="pt-BR" dirty="0" err="1"/>
+              <a:t>photoshop</a:t>
+            </a:r>
+            <a:endParaRPr lang="pt-BR" dirty="0"/>
+          </a:p>
+          <a:p>
+            <a:pPr lvl="1" fontAlgn="base"/>
+            <a:endParaRPr lang="pt-BR" dirty="0"/>
+          </a:p>
+        </p:txBody>
+      </p:sp>
+    </p:spTree>
+    <p:extLst>
+      <p:ext uri="{BB962C8B-B14F-4D97-AF65-F5344CB8AC3E}">
+        <p14:creationId xmlns:p14="http://schemas.microsoft.com/office/powerpoint/2010/main" val="203061945"/>
+      </p:ext>
+    </p:extLst>
+  </p:cSld>
+  <p:clrMapOvr>
+    <a:masterClrMapping/>
+  </p:clrMapOvr>
+  <p:transition xmlns:p14="http://schemas.microsoft.com/office/powerpoint/2010/main" spd="slow">
+    <p:push dir="u"/>
+  </p:transition>
+  <p:timing>
+    <p:tnLst>
+      <p:par>
+        <p:cTn xmlns:p14="http://schemas.microsoft.com/office/powerpoint/2010/main" id="1" dur="indefinite" restart="never" nodeType="tmRoot"/>
+      </p:par>
+    </p:tnLst>
+  </p:timing>
+</p:sld>
+</file>
+
+<file path=ppt/slides/slide16.xml><?xml version="1.0" encoding="utf-8"?>
+<p:sld xmlns:a="http://schemas.openxmlformats.org/drawingml/2006/main" xmlns:r="http://schemas.openxmlformats.org/officeDocument/2006/relationships" xmlns:p="http://schemas.openxmlformats.org/presentationml/2006/main">
+  <p:cSld>
+    <p:bg>
+      <p:bgPr>
+        <a:blipFill dpi="0" rotWithShape="1">
+          <a:blip r:embed="rId2">
+            <a:lum/>
+          </a:blip>
+          <a:srcRect/>
+          <a:stretch>
+            <a:fillRect/>
+          </a:stretch>
+        </a:blipFill>
+        <a:effectLst/>
+      </p:bgPr>
+    </p:bg>
+    <p:spTree>
+      <p:nvGrpSpPr>
+        <p:cNvPr id="1" name=""/>
+        <p:cNvGrpSpPr/>
+        <p:nvPr/>
+      </p:nvGrpSpPr>
+      <p:grpSpPr>
+        <a:xfrm>
+          <a:off x="0" y="0"/>
+          <a:ext cx="0" cy="0"/>
+          <a:chOff x="0" y="0"/>
+          <a:chExt cx="0" cy="0"/>
+        </a:xfrm>
+      </p:grpSpPr>
+      <p:sp>
+        <p:nvSpPr>
+          <p:cNvPr id="2" name="Título 1"/>
+          <p:cNvSpPr>
+            <a:spLocks noGrp="1"/>
+          </p:cNvSpPr>
+          <p:nvPr>
+            <p:ph type="title"/>
+          </p:nvPr>
+        </p:nvSpPr>
+        <p:spPr/>
+        <p:txBody>
+          <a:bodyPr/>
+          <a:lstStyle/>
+          <a:p>
+            <a:r>
+              <a:rPr lang="pt-BR" dirty="0" smtClean="0"/>
+              <a:t>Editores de C</a:t>
+            </a:r>
+            <a:r>
+              <a:rPr lang="pt-BR" dirty="0" smtClean="0"/>
+              <a:t>ódigo</a:t>
+            </a:r>
+            <a:endParaRPr lang="pt-BR" dirty="0"/>
+          </a:p>
+        </p:txBody>
+      </p:sp>
+      <p:sp>
+        <p:nvSpPr>
+          <p:cNvPr id="5" name="Espaço Reservado para Conteúdo 4"/>
+          <p:cNvSpPr>
+            <a:spLocks noGrp="1"/>
+          </p:cNvSpPr>
+          <p:nvPr>
+            <p:ph idx="1"/>
+          </p:nvPr>
+        </p:nvSpPr>
+        <p:spPr/>
+        <p:txBody>
+          <a:bodyPr numCol="2">
+            <a:normAutofit/>
+          </a:bodyPr>
+          <a:lstStyle/>
+          <a:p>
+            <a:pPr fontAlgn="base"/>
+            <a:r>
+              <a:rPr lang="pt-BR" dirty="0" err="1"/>
+              <a:t>Webstorm</a:t>
+            </a:r>
+            <a:r>
+              <a:rPr lang="pt-BR" dirty="0"/>
+              <a:t> </a:t>
+            </a:r>
+            <a:r>
+              <a:rPr lang="pt-BR" dirty="0" smtClean="0"/>
+              <a:t>– pago</a:t>
+            </a:r>
+          </a:p>
+          <a:p>
+            <a:pPr lvl="1" fontAlgn="base"/>
+            <a:r>
+              <a:rPr lang="pt-BR" dirty="0" smtClean="0"/>
+              <a:t>J</a:t>
+            </a:r>
+            <a:r>
+              <a:rPr lang="pt-BR" dirty="0" smtClean="0"/>
+              <a:t>á vem completo</a:t>
+            </a:r>
+          </a:p>
+          <a:p>
+            <a:pPr lvl="1" fontAlgn="base"/>
+            <a:r>
+              <a:rPr lang="pt-BR" dirty="0" smtClean="0"/>
+              <a:t>Ótimo </a:t>
+            </a:r>
+            <a:r>
+              <a:rPr lang="pt-BR" dirty="0" err="1" smtClean="0"/>
+              <a:t>intelisense</a:t>
+            </a:r>
+            <a:endParaRPr lang="pt-BR" dirty="0"/>
+          </a:p>
+          <a:p>
+            <a:pPr lvl="1" fontAlgn="base"/>
+            <a:r>
+              <a:rPr lang="pt-BR" dirty="0" smtClean="0"/>
+              <a:t>Ótimo suporte ao </a:t>
+            </a:r>
+            <a:r>
+              <a:rPr lang="pt-BR" dirty="0" err="1" smtClean="0"/>
+              <a:t>nodejs</a:t>
+            </a:r>
+            <a:endParaRPr lang="pt-BR" dirty="0"/>
+          </a:p>
+          <a:p>
+            <a:pPr lvl="1" fontAlgn="base"/>
+            <a:r>
+              <a:rPr lang="pt-BR" dirty="0"/>
+              <a:t>Excepcional</a:t>
+            </a:r>
+            <a:endParaRPr lang="pt-BR" dirty="0"/>
+          </a:p>
+        </p:txBody>
+      </p:sp>
+    </p:spTree>
+    <p:extLst>
+      <p:ext uri="{BB962C8B-B14F-4D97-AF65-F5344CB8AC3E}">
+        <p14:creationId xmlns:p14="http://schemas.microsoft.com/office/powerpoint/2010/main" val="1264826993"/>
+      </p:ext>
+    </p:extLst>
+  </p:cSld>
+  <p:clrMapOvr>
+    <a:masterClrMapping/>
+  </p:clrMapOvr>
+  <p:transition xmlns:p14="http://schemas.microsoft.com/office/powerpoint/2010/main" spd="slow">
+    <p:push dir="u"/>
+  </p:transition>
+  <p:timing>
+    <p:tnLst>
+      <p:par>
+        <p:cTn xmlns:p14="http://schemas.microsoft.com/office/powerpoint/2010/main" id="1" dur="indefinite" restart="never" nodeType="tmRoot"/>
+      </p:par>
+    </p:tnLst>
+  </p:timing>
+</p:sld>
+</file>
+
+<file path=ppt/slides/slide17.xml><?xml version="1.0" encoding="utf-8"?>
+<p:sld xmlns:a="http://schemas.openxmlformats.org/drawingml/2006/main" xmlns:r="http://schemas.openxmlformats.org/officeDocument/2006/relationships" xmlns:p="http://schemas.openxmlformats.org/presentationml/2006/main">
+  <p:cSld>
+    <p:bg>
+      <p:bgPr>
+        <a:blipFill dpi="0" rotWithShape="1">
+          <a:blip r:embed="rId2">
+            <a:lum/>
+          </a:blip>
+          <a:srcRect/>
+          <a:stretch>
+            <a:fillRect/>
+          </a:stretch>
+        </a:blipFill>
+        <a:effectLst/>
+      </p:bgPr>
+    </p:bg>
+    <p:spTree>
+      <p:nvGrpSpPr>
+        <p:cNvPr id="1" name=""/>
+        <p:cNvGrpSpPr/>
+        <p:nvPr/>
+      </p:nvGrpSpPr>
+      <p:grpSpPr>
+        <a:xfrm>
+          <a:off x="0" y="0"/>
+          <a:ext cx="0" cy="0"/>
+          <a:chOff x="0" y="0"/>
+          <a:chExt cx="0" cy="0"/>
+        </a:xfrm>
+      </p:grpSpPr>
+      <p:sp>
+        <p:nvSpPr>
+          <p:cNvPr id="2" name="Título 1"/>
+          <p:cNvSpPr>
+            <a:spLocks noGrp="1"/>
+          </p:cNvSpPr>
+          <p:nvPr>
+            <p:ph type="title"/>
+          </p:nvPr>
+        </p:nvSpPr>
+        <p:spPr/>
+        <p:txBody>
+          <a:bodyPr/>
+          <a:lstStyle/>
+          <a:p>
+            <a:r>
+              <a:rPr lang="pt-BR" dirty="0" err="1" smtClean="0"/>
+              <a:t>Plugins</a:t>
+            </a:r>
+            <a:endParaRPr lang="pt-BR" dirty="0"/>
+          </a:p>
+        </p:txBody>
+      </p:sp>
+      <p:sp>
+        <p:nvSpPr>
+          <p:cNvPr id="4" name="Espaço Reservado para Texto 3"/>
+          <p:cNvSpPr>
+            <a:spLocks noGrp="1"/>
+          </p:cNvSpPr>
+          <p:nvPr>
+            <p:ph type="body" idx="1"/>
+          </p:nvPr>
+        </p:nvSpPr>
+        <p:spPr/>
+        <p:txBody>
+          <a:bodyPr/>
+          <a:lstStyle/>
+          <a:p>
+            <a:pPr marL="0" lvl="1">
+              <a:spcBef>
+                <a:spcPts val="1000"/>
+              </a:spcBef>
+            </a:pPr>
+            <a:r>
+              <a:rPr lang="pt-BR" dirty="0" smtClean="0"/>
+              <a:t>Módulo 2 – Aula </a:t>
+            </a:r>
+            <a:r>
+              <a:rPr lang="pt-BR" dirty="0"/>
+              <a:t>5</a:t>
+            </a:r>
+            <a:endParaRPr lang="pt-BR" dirty="0" smtClean="0"/>
+          </a:p>
+        </p:txBody>
+      </p:sp>
+    </p:spTree>
+    <p:extLst>
+      <p:ext uri="{BB962C8B-B14F-4D97-AF65-F5344CB8AC3E}">
+        <p14:creationId xmlns:p14="http://schemas.microsoft.com/office/powerpoint/2010/main" val="3720091494"/>
+      </p:ext>
+    </p:extLst>
+  </p:cSld>
+  <p:clrMapOvr>
+    <a:masterClrMapping/>
+  </p:clrMapOvr>
+  <p:transition xmlns:p14="http://schemas.microsoft.com/office/powerpoint/2010/main" spd="slow">
+    <p:push dir="u"/>
+  </p:transition>
+  <p:timing>
+    <p:tnLst>
+      <p:par>
+        <p:cTn xmlns:p14="http://schemas.microsoft.com/office/powerpoint/2010/main" id="1" dur="indefinite" restart="never" nodeType="tmRoot"/>
+      </p:par>
+    </p:tnLst>
+  </p:timing>
+</p:sld>
+</file>
+
+<file path=ppt/slides/slide18.xml><?xml version="1.0" encoding="utf-8"?>
+<p:sld xmlns:a="http://schemas.openxmlformats.org/drawingml/2006/main" xmlns:r="http://schemas.openxmlformats.org/officeDocument/2006/relationships" xmlns:p="http://schemas.openxmlformats.org/presentationml/2006/main">
+  <p:cSld>
+    <p:bg>
+      <p:bgPr>
+        <a:blipFill dpi="0" rotWithShape="1">
+          <a:blip r:embed="rId2">
+            <a:lum/>
+          </a:blip>
+          <a:srcRect/>
+          <a:stretch>
+            <a:fillRect/>
+          </a:stretch>
+        </a:blipFill>
+        <a:effectLst/>
+      </p:bgPr>
+    </p:bg>
+    <p:spTree>
+      <p:nvGrpSpPr>
+        <p:cNvPr id="1" name=""/>
+        <p:cNvGrpSpPr/>
+        <p:nvPr/>
+      </p:nvGrpSpPr>
+      <p:grpSpPr>
+        <a:xfrm>
+          <a:off x="0" y="0"/>
+          <a:ext cx="0" cy="0"/>
+          <a:chOff x="0" y="0"/>
+          <a:chExt cx="0" cy="0"/>
+        </a:xfrm>
+      </p:grpSpPr>
+      <p:sp>
+        <p:nvSpPr>
+          <p:cNvPr id="2" name="Título 1"/>
+          <p:cNvSpPr>
+            <a:spLocks noGrp="1"/>
+          </p:cNvSpPr>
+          <p:nvPr>
+            <p:ph type="title"/>
+          </p:nvPr>
+        </p:nvSpPr>
+        <p:spPr/>
+        <p:txBody>
+          <a:bodyPr/>
+          <a:lstStyle/>
+          <a:p>
+            <a:r>
+              <a:rPr lang="pt-BR" dirty="0" err="1" smtClean="0"/>
+              <a:t>Plugins</a:t>
+            </a:r>
+            <a:endParaRPr lang="pt-BR" dirty="0"/>
+          </a:p>
+        </p:txBody>
+      </p:sp>
+      <p:sp>
+        <p:nvSpPr>
+          <p:cNvPr id="5" name="Espaço Reservado para Conteúdo 4"/>
+          <p:cNvSpPr>
+            <a:spLocks noGrp="1"/>
+          </p:cNvSpPr>
+          <p:nvPr>
+            <p:ph idx="1"/>
+          </p:nvPr>
+        </p:nvSpPr>
+        <p:spPr/>
+        <p:txBody>
+          <a:bodyPr numCol="2">
+            <a:normAutofit/>
+          </a:bodyPr>
+          <a:lstStyle/>
+          <a:p>
+            <a:pPr fontAlgn="base"/>
+            <a:r>
+              <a:rPr lang="pt-BR" dirty="0" err="1" smtClean="0"/>
+              <a:t>Emmet</a:t>
+            </a:r>
+            <a:endParaRPr lang="pt-BR" dirty="0" smtClean="0"/>
+          </a:p>
+          <a:p>
+            <a:pPr fontAlgn="base"/>
+            <a:r>
+              <a:rPr lang="pt-BR" dirty="0" err="1" smtClean="0"/>
+              <a:t>Js</a:t>
+            </a:r>
+            <a:r>
+              <a:rPr lang="pt-BR" dirty="0" smtClean="0"/>
+              <a:t>/</a:t>
+            </a:r>
+            <a:r>
+              <a:rPr lang="pt-BR" dirty="0" err="1" smtClean="0"/>
+              <a:t>css</a:t>
+            </a:r>
+            <a:r>
+              <a:rPr lang="pt-BR" dirty="0" smtClean="0"/>
+              <a:t>/</a:t>
+            </a:r>
+            <a:r>
+              <a:rPr lang="pt-BR" dirty="0" err="1" smtClean="0"/>
+              <a:t>html</a:t>
+            </a:r>
+            <a:r>
+              <a:rPr lang="pt-BR" dirty="0" smtClean="0"/>
+              <a:t> </a:t>
+            </a:r>
+            <a:r>
+              <a:rPr lang="pt-BR" dirty="0" err="1" smtClean="0"/>
+              <a:t>beautify</a:t>
+            </a:r>
+            <a:endParaRPr lang="pt-BR" dirty="0" smtClean="0"/>
+          </a:p>
+          <a:p>
+            <a:pPr fontAlgn="base"/>
+            <a:r>
+              <a:rPr lang="pt-BR" dirty="0" err="1" smtClean="0"/>
+              <a:t>Angularjs</a:t>
+            </a:r>
+            <a:endParaRPr lang="pt-BR" dirty="0" smtClean="0"/>
+          </a:p>
+          <a:p>
+            <a:pPr fontAlgn="base"/>
+            <a:r>
+              <a:rPr lang="pt-BR" dirty="0" err="1" smtClean="0"/>
+              <a:t>Angularjs</a:t>
+            </a:r>
+            <a:r>
+              <a:rPr lang="pt-BR" dirty="0" smtClean="0"/>
+              <a:t> </a:t>
+            </a:r>
+            <a:r>
+              <a:rPr lang="pt-BR" dirty="0" err="1" smtClean="0"/>
+              <a:t>snippets</a:t>
+            </a:r>
+            <a:endParaRPr lang="pt-BR" dirty="0"/>
+          </a:p>
+        </p:txBody>
+      </p:sp>
+    </p:spTree>
+    <p:extLst>
+      <p:ext uri="{BB962C8B-B14F-4D97-AF65-F5344CB8AC3E}">
+        <p14:creationId xmlns:p14="http://schemas.microsoft.com/office/powerpoint/2010/main" val="529974816"/>
+      </p:ext>
+    </p:extLst>
+  </p:cSld>
+  <p:clrMapOvr>
+    <a:masterClrMapping/>
+  </p:clrMapOvr>
+  <p:transition xmlns:p14="http://schemas.microsoft.com/office/powerpoint/2010/main" spd="slow">
+    <p:push dir="u"/>
+  </p:transition>
+  <p:timing>
+    <p:tnLst>
+      <p:par>
+        <p:cTn xmlns:p14="http://schemas.microsoft.com/office/powerpoint/2010/main" id="1" dur="indefinite" restart="never" nodeType="tmRoot"/>
+      </p:par>
+    </p:tnLst>
+  </p:timing>
+</p:sld>
+</file>
+
+<file path=ppt/slides/slide19.xml><?xml version="1.0" encoding="utf-8"?>
+<p:sld xmlns:a="http://schemas.openxmlformats.org/drawingml/2006/main" xmlns:r="http://schemas.openxmlformats.org/officeDocument/2006/relationships" xmlns:p="http://schemas.openxmlformats.org/presentationml/2006/main">
+  <p:cSld>
+    <p:bg>
+      <p:bgPr>
+        <a:blipFill dpi="0" rotWithShape="1">
+          <a:blip r:embed="rId2">
+            <a:lum/>
+          </a:blip>
+          <a:srcRect/>
+          <a:stretch>
+            <a:fillRect/>
+          </a:stretch>
+        </a:blipFill>
+        <a:effectLst/>
+      </p:bgPr>
+    </p:bg>
+    <p:spTree>
+      <p:nvGrpSpPr>
+        <p:cNvPr id="1" name=""/>
+        <p:cNvGrpSpPr/>
+        <p:nvPr/>
+      </p:nvGrpSpPr>
+      <p:grpSpPr>
+        <a:xfrm>
+          <a:off x="0" y="0"/>
+          <a:ext cx="0" cy="0"/>
+          <a:chOff x="0" y="0"/>
+          <a:chExt cx="0" cy="0"/>
+        </a:xfrm>
+      </p:grpSpPr>
+      <p:sp>
+        <p:nvSpPr>
+          <p:cNvPr id="2" name="Título 1"/>
+          <p:cNvSpPr>
+            <a:spLocks noGrp="1"/>
+          </p:cNvSpPr>
+          <p:nvPr>
+            <p:ph type="title"/>
+          </p:nvPr>
+        </p:nvSpPr>
+        <p:spPr/>
+        <p:txBody>
+          <a:bodyPr/>
+          <a:lstStyle/>
+          <a:p>
+            <a:r>
+              <a:rPr lang="pt-BR" dirty="0" err="1" smtClean="0"/>
+              <a:t>MongoDB</a:t>
+            </a:r>
+            <a:endParaRPr lang="pt-BR" dirty="0"/>
+          </a:p>
+        </p:txBody>
+      </p:sp>
+      <p:sp>
+        <p:nvSpPr>
+          <p:cNvPr id="4" name="Espaço Reservado para Texto 3"/>
+          <p:cNvSpPr>
+            <a:spLocks noGrp="1"/>
+          </p:cNvSpPr>
+          <p:nvPr>
+            <p:ph type="body" idx="1"/>
+          </p:nvPr>
+        </p:nvSpPr>
+        <p:spPr/>
+        <p:txBody>
+          <a:bodyPr/>
+          <a:lstStyle/>
+          <a:p>
+            <a:pPr marL="0" lvl="1">
+              <a:spcBef>
+                <a:spcPts val="1000"/>
+              </a:spcBef>
+            </a:pPr>
+            <a:r>
+              <a:rPr lang="pt-BR" dirty="0" smtClean="0"/>
+              <a:t>Módulo 2 – Aula </a:t>
+            </a:r>
+            <a:r>
+              <a:rPr lang="pt-BR" dirty="0" smtClean="0"/>
+              <a:t>6</a:t>
+            </a:r>
+            <a:endParaRPr lang="pt-BR" dirty="0" smtClean="0"/>
+          </a:p>
+        </p:txBody>
+      </p:sp>
+    </p:spTree>
+    <p:extLst>
+      <p:ext uri="{BB962C8B-B14F-4D97-AF65-F5344CB8AC3E}">
+        <p14:creationId xmlns:p14="http://schemas.microsoft.com/office/powerpoint/2010/main" val="3520334052"/>
+      </p:ext>
+    </p:extLst>
+  </p:cSld>
+  <p:clrMapOvr>
+    <a:masterClrMapping/>
+  </p:clrMapOvr>
+  <p:transition xmlns:p14="http://schemas.microsoft.com/office/powerpoint/2010/main" spd="slow">
+    <p:push dir="u"/>
+  </p:transition>
+  <p:timing>
+    <p:tnLst>
+      <p:par>
+        <p:cTn xmlns:p14="http://schemas.microsoft.com/office/powerpoint/2010/main" id="1" dur="indefinite" restart="never" nodeType="tmRoot"/>
+      </p:par>
+    </p:tnLst>
+  </p:timing>
+</p:sld>
+</file>
+
 <file path=ppt/slides/slide2.xml><?xml version="1.0" encoding="utf-8"?>
 <p:sld xmlns:a="http://schemas.openxmlformats.org/drawingml/2006/main" xmlns:r="http://schemas.openxmlformats.org/officeDocument/2006/relationships" xmlns:p="http://schemas.openxmlformats.org/presentationml/2006/main">
   <p:cSld>
@@ -3169,40 +4569,36 @@
           <a:p>
             <a:pPr lvl="1" fontAlgn="base"/>
             <a:r>
-              <a:rPr lang="pt-BR" dirty="0" err="1"/>
+              <a:rPr lang="pt-BR" dirty="0" err="1" smtClean="0"/>
               <a:t>Bower</a:t>
             </a:r>
             <a:r>
-              <a:rPr lang="pt-BR" dirty="0"/>
+              <a:rPr lang="pt-BR" dirty="0" smtClean="0"/>
+              <a:t>, </a:t>
+            </a:r>
+            <a:r>
+              <a:rPr lang="pt-BR" dirty="0" err="1" smtClean="0"/>
+              <a:t>grunt</a:t>
+            </a:r>
+            <a:r>
+              <a:rPr lang="pt-BR" dirty="0" smtClean="0"/>
               <a:t> e </a:t>
             </a:r>
             <a:r>
-              <a:rPr lang="pt-BR" dirty="0" err="1"/>
-              <a:t>grunt</a:t>
+              <a:rPr lang="pt-BR" dirty="0" err="1" smtClean="0"/>
+              <a:t>Yeoman</a:t>
             </a:r>
             <a:endParaRPr lang="pt-BR" dirty="0"/>
           </a:p>
           <a:p>
             <a:pPr lvl="1" fontAlgn="base"/>
             <a:r>
-              <a:rPr lang="pt-BR" dirty="0" err="1"/>
-              <a:t>Vs</a:t>
-            </a:r>
-            <a:r>
-              <a:rPr lang="pt-BR" dirty="0"/>
-              <a:t>, sublime, </a:t>
-            </a:r>
-            <a:r>
-              <a:rPr lang="pt-BR" dirty="0" err="1"/>
-              <a:t>brackets</a:t>
-            </a:r>
-            <a:r>
-              <a:rPr lang="pt-BR" dirty="0"/>
-              <a:t>, </a:t>
-            </a:r>
-            <a:r>
-              <a:rPr lang="pt-BR" dirty="0" err="1"/>
-              <a:t>webstorm</a:t>
+              <a:rPr lang="pt-BR" dirty="0" smtClean="0"/>
+              <a:t>Editores de c</a:t>
+            </a:r>
+            <a:r>
+              <a:rPr lang="pt-BR" dirty="0" smtClean="0"/>
+              <a:t>ódigo</a:t>
             </a:r>
             <a:endParaRPr lang="pt-BR" dirty="0"/>
           </a:p>
@@ -3228,6 +4624,128 @@
     <p:extLst>
       <p:ext uri="{BB962C8B-B14F-4D97-AF65-F5344CB8AC3E}">
         <p14:creationId xmlns:p14="http://schemas.microsoft.com/office/powerpoint/2010/main" val="2785877060"/>
+      </p:ext>
+    </p:extLst>
+  </p:cSld>
+  <p:clrMapOvr>
+    <a:masterClrMapping/>
+  </p:clrMapOvr>
+  <p:transition xmlns:p14="http://schemas.microsoft.com/office/powerpoint/2010/main" spd="slow">
+    <p:push dir="u"/>
+  </p:transition>
+  <p:timing>
+    <p:tnLst>
+      <p:par>
+        <p:cTn xmlns:p14="http://schemas.microsoft.com/office/powerpoint/2010/main" id="1" dur="indefinite" restart="never" nodeType="tmRoot"/>
+      </p:par>
+    </p:tnLst>
+  </p:timing>
+</p:sld>
+</file>
+
+<file path=ppt/slides/slide20.xml><?xml version="1.0" encoding="utf-8"?>
+<p:sld xmlns:a="http://schemas.openxmlformats.org/drawingml/2006/main" xmlns:r="http://schemas.openxmlformats.org/officeDocument/2006/relationships" xmlns:p="http://schemas.openxmlformats.org/presentationml/2006/main">
+  <p:cSld>
+    <p:bg>
+      <p:bgPr>
+        <a:blipFill dpi="0" rotWithShape="1">
+          <a:blip r:embed="rId2">
+            <a:lum/>
+          </a:blip>
+          <a:srcRect/>
+          <a:stretch>
+            <a:fillRect/>
+          </a:stretch>
+        </a:blipFill>
+        <a:effectLst/>
+      </p:bgPr>
+    </p:bg>
+    <p:spTree>
+      <p:nvGrpSpPr>
+        <p:cNvPr id="1" name=""/>
+        <p:cNvGrpSpPr/>
+        <p:nvPr/>
+      </p:nvGrpSpPr>
+      <p:grpSpPr>
+        <a:xfrm>
+          <a:off x="0" y="0"/>
+          <a:ext cx="0" cy="0"/>
+          <a:chOff x="0" y="0"/>
+          <a:chExt cx="0" cy="0"/>
+        </a:xfrm>
+      </p:grpSpPr>
+      <p:sp>
+        <p:nvSpPr>
+          <p:cNvPr id="2" name="Título 1"/>
+          <p:cNvSpPr>
+            <a:spLocks noGrp="1"/>
+          </p:cNvSpPr>
+          <p:nvPr>
+            <p:ph type="title"/>
+          </p:nvPr>
+        </p:nvSpPr>
+        <p:spPr/>
+        <p:txBody>
+          <a:bodyPr/>
+          <a:lstStyle/>
+          <a:p>
+            <a:r>
+              <a:rPr lang="pt-BR" dirty="0" err="1" smtClean="0"/>
+              <a:t>MongoDB</a:t>
+            </a:r>
+            <a:endParaRPr lang="pt-BR" dirty="0"/>
+          </a:p>
+        </p:txBody>
+      </p:sp>
+      <p:sp>
+        <p:nvSpPr>
+          <p:cNvPr id="5" name="Espaço Reservado para Conteúdo 4"/>
+          <p:cNvSpPr>
+            <a:spLocks noGrp="1"/>
+          </p:cNvSpPr>
+          <p:nvPr>
+            <p:ph idx="1"/>
+          </p:nvPr>
+        </p:nvSpPr>
+        <p:spPr/>
+        <p:txBody>
+          <a:bodyPr numCol="2">
+            <a:normAutofit/>
+          </a:bodyPr>
+          <a:lstStyle/>
+          <a:p>
+            <a:pPr fontAlgn="base"/>
+            <a:r>
+              <a:rPr lang="pt-BR" dirty="0" err="1" smtClean="0"/>
+              <a:t>NoSQL</a:t>
+            </a:r>
+            <a:endParaRPr lang="pt-BR" dirty="0" smtClean="0"/>
+          </a:p>
+          <a:p>
+            <a:pPr fontAlgn="base"/>
+            <a:r>
+              <a:rPr lang="pt-BR" dirty="0" smtClean="0"/>
+              <a:t>F</a:t>
+            </a:r>
+            <a:r>
+              <a:rPr lang="pt-BR" dirty="0" smtClean="0"/>
+              <a:t>ácil instalação</a:t>
+            </a:r>
+          </a:p>
+          <a:p>
+            <a:pPr fontAlgn="base"/>
+            <a:r>
+              <a:rPr lang="pt-BR" dirty="0" smtClean="0"/>
+              <a:t>Necessário apenas para os demos</a:t>
+            </a:r>
+            <a:endParaRPr lang="pt-BR" dirty="0"/>
+          </a:p>
+        </p:txBody>
+      </p:sp>
+    </p:spTree>
+    <p:extLst>
+      <p:ext uri="{BB962C8B-B14F-4D97-AF65-F5344CB8AC3E}">
+        <p14:creationId xmlns:p14="http://schemas.microsoft.com/office/powerpoint/2010/main" val="1545787829"/>
       </p:ext>
     </p:extLst>
   </p:cSld>
@@ -3294,16 +4812,12 @@
           <a:lstStyle/>
           <a:p>
             <a:r>
-              <a:rPr lang="pt-BR" dirty="0" smtClean="0"/>
-              <a:t>O que é o </a:t>
-            </a:r>
-            <a:r>
               <a:rPr lang="pt-BR" dirty="0" err="1" smtClean="0"/>
-              <a:t>WebAPI</a:t>
-            </a:r>
-            <a:r>
-              <a:rPr lang="pt-BR" dirty="0" smtClean="0"/>
-              <a:t>?</a:t>
+              <a:t>SOs</a:t>
+            </a:r>
+            <a:r>
+              <a:rPr lang="pt-BR" dirty="0" smtClean="0"/>
+              <a:t> e Terminais</a:t>
             </a:r>
             <a:endParaRPr lang="pt-BR" dirty="0"/>
           </a:p>
@@ -3406,16 +4920,12 @@
           <a:lstStyle/>
           <a:p>
             <a:r>
-              <a:rPr lang="pt-BR" dirty="0" smtClean="0"/>
-              <a:t>O que é o </a:t>
-            </a:r>
-            <a:r>
               <a:rPr lang="pt-BR" dirty="0" err="1" smtClean="0"/>
-              <a:t>WebAPI</a:t>
-            </a:r>
-            <a:r>
-              <a:rPr lang="pt-BR" dirty="0" smtClean="0"/>
-              <a:t>?</a:t>
+              <a:t>SOs</a:t>
+            </a:r>
+            <a:r>
+              <a:rPr lang="pt-BR" dirty="0" smtClean="0"/>
+              <a:t> e terminais</a:t>
             </a:r>
             <a:endParaRPr lang="pt-BR" dirty="0"/>
           </a:p>
@@ -3439,61 +4949,60 @@
             <a:pPr fontAlgn="base"/>
             <a:r>
               <a:rPr lang="pt-BR" dirty="0" smtClean="0"/>
-              <a:t>Sobre serviços na plataforma .NET</a:t>
-            </a:r>
+              <a:t>Windows</a:t>
+            </a:r>
+          </a:p>
+          <a:p>
+            <a:pPr lvl="1" fontAlgn="base"/>
+            <a:r>
+              <a:rPr lang="pt-BR" dirty="0" smtClean="0"/>
+              <a:t>CMD, Console2, </a:t>
+            </a:r>
+            <a:r>
+              <a:rPr lang="pt-BR" dirty="0" err="1" smtClean="0"/>
+              <a:t>Cmder</a:t>
+            </a:r>
+            <a:endParaRPr lang="pt-BR" dirty="0" smtClean="0"/>
           </a:p>
           <a:p>
             <a:pPr fontAlgn="base"/>
             <a:r>
               <a:rPr lang="pt-BR" dirty="0" smtClean="0"/>
-              <a:t>SOA e </a:t>
+              <a:t>Mac</a:t>
+            </a:r>
+          </a:p>
+          <a:p>
+            <a:pPr lvl="1" fontAlgn="base"/>
+            <a:r>
+              <a:rPr lang="pt-BR" dirty="0" smtClean="0"/>
+              <a:t>Terminal, </a:t>
             </a:r>
             <a:r>
               <a:rPr lang="pt-BR" dirty="0" err="1" smtClean="0"/>
-              <a:t>WebAPI</a:t>
+              <a:t>iterm</a:t>
+            </a:r>
+            <a:r>
+              <a:rPr lang="pt-BR" dirty="0" smtClean="0"/>
+              <a:t>/</a:t>
+            </a:r>
+            <a:r>
+              <a:rPr lang="pt-BR" dirty="0" err="1" smtClean="0"/>
+              <a:t>zsh</a:t>
             </a:r>
             <a:endParaRPr lang="pt-BR" dirty="0" smtClean="0"/>
           </a:p>
           <a:p>
             <a:pPr fontAlgn="base"/>
             <a:r>
-              <a:rPr lang="pt-BR" dirty="0" err="1" smtClean="0"/>
-              <a:t>Wcf</a:t>
-            </a:r>
-            <a:r>
-              <a:rPr lang="pt-BR" dirty="0" smtClean="0"/>
-              <a:t> e </a:t>
-            </a:r>
-            <a:r>
-              <a:rPr lang="pt-BR" dirty="0" err="1" smtClean="0"/>
-              <a:t>WebAPI</a:t>
-            </a:r>
-            <a:endParaRPr lang="pt-BR" dirty="0" smtClean="0"/>
-          </a:p>
-          <a:p>
-            <a:pPr fontAlgn="base"/>
-            <a:r>
-              <a:rPr lang="pt-BR" dirty="0" smtClean="0"/>
-              <a:t>SOAP </a:t>
-            </a:r>
-            <a:r>
-              <a:rPr lang="pt-BR" dirty="0" err="1" smtClean="0"/>
-              <a:t>vs</a:t>
-            </a:r>
-            <a:r>
-              <a:rPr lang="pt-BR" dirty="0" smtClean="0"/>
-              <a:t> REST</a:t>
-            </a:r>
-          </a:p>
-          <a:p>
-            <a:pPr fontAlgn="base"/>
-            <a:r>
-              <a:rPr lang="pt-BR" dirty="0" smtClean="0"/>
-              <a:t>Cenários de uso do </a:t>
-            </a:r>
-            <a:r>
-              <a:rPr lang="pt-BR" dirty="0" err="1" smtClean="0"/>
-              <a:t>WebAPI</a:t>
+              <a:rPr lang="pt-BR" dirty="0" smtClean="0"/>
+              <a:t>Linux</a:t>
+            </a:r>
+          </a:p>
+          <a:p>
+            <a:pPr lvl="1" fontAlgn="base"/>
+            <a:r>
+              <a:rPr lang="pt-BR" dirty="0" smtClean="0"/>
+              <a:t>Terminal</a:t>
             </a:r>
             <a:endParaRPr lang="pt-BR" dirty="0"/>
           </a:p>
@@ -3572,16 +5081,12 @@
           <a:lstStyle/>
           <a:p>
             <a:r>
-              <a:rPr lang="pt-BR" dirty="0" smtClean="0"/>
-              <a:t>O que é o </a:t>
-            </a:r>
-            <a:r>
               <a:rPr lang="pt-BR" dirty="0" err="1" smtClean="0"/>
-              <a:t>WebAPI</a:t>
-            </a:r>
-            <a:r>
-              <a:rPr lang="pt-BR" dirty="0" smtClean="0"/>
-              <a:t>?</a:t>
+              <a:t>NodeJS</a:t>
+            </a:r>
+            <a:r>
+              <a:rPr lang="pt-BR" dirty="0" smtClean="0"/>
+              <a:t> e NPM</a:t>
             </a:r>
             <a:endParaRPr lang="pt-BR" dirty="0"/>
           </a:p>
@@ -3589,75 +5094,32 @@
       </p:sp>
       <p:sp>
         <p:nvSpPr>
-          <p:cNvPr id="5" name="Espaço Reservado para Conteúdo 4"/>
-          <p:cNvSpPr>
-            <a:spLocks noGrp="1"/>
-          </p:cNvSpPr>
-          <p:nvPr>
-            <p:ph idx="1"/>
-          </p:nvPr>
-        </p:nvSpPr>
-        <p:spPr/>
-        <p:txBody>
-          <a:bodyPr/>
-          <a:lstStyle/>
-          <a:p>
-            <a:pPr fontAlgn="base"/>
-            <a:r>
-              <a:rPr lang="pt-BR" dirty="0" smtClean="0"/>
-              <a:t>É Uma extensão do ASP.NET MVC</a:t>
-            </a:r>
-          </a:p>
-          <a:p>
-            <a:pPr fontAlgn="base"/>
-            <a:r>
-              <a:rPr lang="pt-BR" dirty="0" smtClean="0"/>
-              <a:t>No MVC 5 não tem mais o nome “</a:t>
-            </a:r>
-            <a:r>
-              <a:rPr lang="pt-BR" dirty="0" err="1" smtClean="0"/>
-              <a:t>webapi</a:t>
-            </a:r>
-            <a:r>
-              <a:rPr lang="pt-BR" dirty="0" smtClean="0"/>
-              <a:t>”</a:t>
-            </a:r>
-          </a:p>
-          <a:p>
-            <a:pPr fontAlgn="base"/>
-            <a:r>
-              <a:rPr lang="pt-BR" dirty="0" smtClean="0"/>
-              <a:t>Tem o mesmo pipeline de uma aplicação ASP.NET MVC</a:t>
-            </a:r>
-          </a:p>
-          <a:p>
-            <a:pPr fontAlgn="base"/>
-            <a:r>
-              <a:rPr lang="pt-BR" dirty="0" smtClean="0"/>
-              <a:t>O </a:t>
-            </a:r>
-            <a:r>
-              <a:rPr lang="pt-BR" dirty="0" err="1" smtClean="0"/>
-              <a:t>deploy</a:t>
-            </a:r>
-            <a:r>
-              <a:rPr lang="pt-BR" dirty="0" smtClean="0"/>
-              <a:t> é igual ao de uma aplicação ASP.NET MVC</a:t>
-            </a:r>
-          </a:p>
-          <a:p>
-            <a:pPr fontAlgn="base"/>
-            <a:r>
-              <a:rPr lang="pt-BR" dirty="0" err="1" smtClean="0"/>
-              <a:t>Expôe</a:t>
-            </a:r>
-            <a:r>
-              <a:rPr lang="pt-BR" dirty="0" smtClean="0"/>
-              <a:t> JSON ao invés de HTML</a:t>
-            </a:r>
-            <a:endParaRPr lang="pt-BR" dirty="0"/>
-          </a:p>
-          <a:p>
+          <p:cNvPr id="4" name="Espaço Reservado para Texto 3"/>
+          <p:cNvSpPr>
+            <a:spLocks noGrp="1"/>
+          </p:cNvSpPr>
+          <p:nvPr>
+            <p:ph type="body" idx="1"/>
+          </p:nvPr>
+        </p:nvSpPr>
+        <p:spPr/>
+        <p:txBody>
+          <a:bodyPr/>
+          <a:lstStyle/>
+          <a:p>
+            <a:pPr marL="0" lvl="1">
+              <a:spcBef>
+                <a:spcPts val="1000"/>
+              </a:spcBef>
+            </a:pPr>
+            <a:r>
+              <a:rPr lang="pt-BR" dirty="0" smtClean="0"/>
+              <a:t>Módulo 2 – Aula </a:t>
+            </a:r>
+            <a:r>
+              <a:rPr lang="pt-BR" dirty="0" smtClean="0"/>
+              <a:t>2</a:t>
+            </a:r>
             <a:endParaRPr lang="pt-BR" dirty="0" smtClean="0"/>
           </a:p>
         </p:txBody>
@@ -3665,7 +5127,7 @@
     </p:spTree>
     <p:extLst>
       <p:ext uri="{BB962C8B-B14F-4D97-AF65-F5344CB8AC3E}">
-        <p14:creationId xmlns:p14="http://schemas.microsoft.com/office/powerpoint/2010/main" val="2125743470"/>
+        <p14:creationId xmlns:p14="http://schemas.microsoft.com/office/powerpoint/2010/main" val="3754829726"/>
       </p:ext>
     </p:extLst>
   </p:cSld>
@@ -3732,8 +5194,8 @@
           <a:lstStyle/>
           <a:p>
             <a:r>
-              <a:rPr lang="pt-BR" dirty="0" smtClean="0"/>
-              <a:t>DEMO</a:t>
+              <a:rPr lang="pt-BR" dirty="0" err="1" smtClean="0"/>
+              <a:t>NodeJS</a:t>
             </a:r>
             <a:endParaRPr lang="pt-BR" dirty="0"/>
           </a:p>
@@ -3746,28 +5208,131 @@
             <a:spLocks noGrp="1"/>
           </p:cNvSpPr>
           <p:nvPr>
-            <p:ph type="body" idx="1"/>
-          </p:nvPr>
-        </p:nvSpPr>
-        <p:spPr/>
-        <p:txBody>
-          <a:bodyPr numCol="2">
-            <a:normAutofit/>
-          </a:bodyPr>
-          <a:lstStyle/>
-          <a:p>
-            <a:pPr lvl="1" fontAlgn="base"/>
-            <a:r>
-              <a:rPr lang="pt-BR" dirty="0" smtClean="0"/>
-              <a:t>Como funciona uma API na prática</a:t>
-            </a:r>
+            <p:ph idx="1"/>
+          </p:nvPr>
+        </p:nvSpPr>
+        <p:spPr/>
+        <p:txBody>
+          <a:bodyPr/>
+          <a:lstStyle/>
+          <a:p>
+            <a:r>
+              <a:rPr lang="pt-BR" dirty="0" smtClean="0"/>
+              <a:t>Node </a:t>
+            </a:r>
+            <a:r>
+              <a:rPr lang="pt-BR" dirty="0" smtClean="0"/>
+              <a:t>é uma plataforma construída sobre o </a:t>
+            </a:r>
+            <a:r>
+              <a:rPr lang="pt-BR" dirty="0" err="1" smtClean="0"/>
+              <a:t>runtime</a:t>
+            </a:r>
+            <a:r>
+              <a:rPr lang="pt-BR" dirty="0" smtClean="0"/>
+              <a:t> do </a:t>
+            </a:r>
+            <a:r>
+              <a:rPr lang="pt-BR" dirty="0" err="1" smtClean="0"/>
+              <a:t>Javascript</a:t>
+            </a:r>
+            <a:r>
+              <a:rPr lang="pt-BR" dirty="0" smtClean="0"/>
+              <a:t> do </a:t>
+            </a:r>
+            <a:r>
+              <a:rPr lang="pt-BR" dirty="0" err="1" smtClean="0"/>
+              <a:t>chrome</a:t>
+            </a:r>
+            <a:r>
+              <a:rPr lang="pt-BR" dirty="0" smtClean="0"/>
+              <a:t> (v8)</a:t>
+            </a:r>
+          </a:p>
+          <a:p>
+            <a:r>
+              <a:rPr lang="pt-BR" dirty="0" smtClean="0"/>
+              <a:t>Fácil de trabalhar</a:t>
+            </a:r>
+          </a:p>
+          <a:p>
+            <a:r>
+              <a:rPr lang="pt-BR" dirty="0" smtClean="0"/>
+              <a:t>Escalável</a:t>
+            </a:r>
+          </a:p>
+          <a:p>
+            <a:r>
+              <a:rPr lang="pt-BR" dirty="0" smtClean="0"/>
+              <a:t>Dirigido a eventos</a:t>
+            </a:r>
+          </a:p>
+          <a:p>
+            <a:r>
+              <a:rPr lang="pt-BR" dirty="0" smtClean="0"/>
+              <a:t>Non-</a:t>
+            </a:r>
+            <a:r>
+              <a:rPr lang="pt-BR" dirty="0" err="1" smtClean="0"/>
+              <a:t>blocking</a:t>
+            </a:r>
+            <a:r>
+              <a:rPr lang="pt-BR" dirty="0" smtClean="0"/>
+              <a:t> </a:t>
+            </a:r>
+            <a:r>
+              <a:rPr lang="pt-BR" dirty="0" err="1" smtClean="0"/>
+              <a:t>i</a:t>
+            </a:r>
+            <a:r>
+              <a:rPr lang="pt-BR" dirty="0" smtClean="0"/>
+              <a:t>/o</a:t>
+            </a:r>
+          </a:p>
+          <a:p>
+            <a:r>
+              <a:rPr lang="pt-BR" dirty="0" smtClean="0"/>
+              <a:t>Data-</a:t>
+            </a:r>
+            <a:r>
+              <a:rPr lang="pt-BR" dirty="0" err="1" smtClean="0"/>
+              <a:t>intensive</a:t>
+            </a:r>
+            <a:r>
+              <a:rPr lang="pt-BR" dirty="0" smtClean="0"/>
+              <a:t>/real-time </a:t>
+            </a:r>
+            <a:r>
+              <a:rPr lang="pt-BR" dirty="0" err="1" smtClean="0"/>
+              <a:t>apps</a:t>
+            </a:r>
+            <a:endParaRPr lang="pt-BR" dirty="0" smtClean="0"/>
+          </a:p>
+          <a:p>
+            <a:r>
+              <a:rPr lang="pt-BR" dirty="0" smtClean="0"/>
+              <a:t>Parte do </a:t>
+            </a:r>
+            <a:r>
+              <a:rPr lang="pt-BR" dirty="0" err="1" smtClean="0"/>
+              <a:t>mean</a:t>
+            </a:r>
+            <a:r>
+              <a:rPr lang="pt-BR" dirty="0" smtClean="0"/>
+              <a:t> </a:t>
+            </a:r>
+            <a:r>
+              <a:rPr lang="pt-BR" dirty="0" err="1" smtClean="0"/>
+              <a:t>stack</a:t>
+            </a:r>
+            <a:endParaRPr lang="pt-BR" dirty="0" smtClean="0"/>
           </a:p>
         </p:txBody>
       </p:sp>
     </p:spTree>
     <p:extLst>
       <p:ext uri="{BB962C8B-B14F-4D97-AF65-F5344CB8AC3E}">
-        <p14:creationId xmlns:p14="http://schemas.microsoft.com/office/powerpoint/2010/main" val="13331749"/>
+        <p14:creationId xmlns:p14="http://schemas.microsoft.com/office/powerpoint/2010/main" val="2125743470"/>
       </p:ext>
     </p:extLst>
   </p:cSld>
@@ -3835,7 +5400,7 @@
           <a:p>
             <a:r>
               <a:rPr lang="pt-BR" dirty="0" smtClean="0"/>
-              <a:t>DEMO</a:t>
+              <a:t>NPM</a:t>
             </a:r>
             <a:endParaRPr lang="pt-BR" dirty="0"/>
           </a:p>
@@ -3848,24 +5413,17 @@
             <a:spLocks noGrp="1"/>
           </p:cNvSpPr>
           <p:nvPr>
-            <p:ph type="body" idx="1"/>
-          </p:nvPr>
-        </p:nvSpPr>
-        <p:spPr/>
-        <p:txBody>
-          <a:bodyPr numCol="2">
-            <a:normAutofit/>
-          </a:bodyPr>
-          <a:lstStyle/>
-          <a:p>
-            <a:pPr lvl="1" fontAlgn="base"/>
-            <a:r>
-              <a:rPr lang="pt-BR" dirty="0" smtClean="0"/>
-              <a:t>Criando sua primeira API com </a:t>
-            </a:r>
-            <a:r>
-              <a:rPr lang="pt-BR" dirty="0" err="1" smtClean="0"/>
-              <a:t>Scaffold</a:t>
+            <p:ph idx="1"/>
+          </p:nvPr>
+        </p:nvSpPr>
+        <p:spPr/>
+        <p:txBody>
+          <a:bodyPr/>
+          <a:lstStyle/>
+          <a:p>
+            <a:r>
+              <a:rPr lang="pt-BR" dirty="0" smtClean="0"/>
+              <a:t>Gerenciador de pacotes do node</a:t>
             </a:r>
             <a:endParaRPr lang="pt-BR" dirty="0" smtClean="0"/>
           </a:p>
@@ -3874,7 +5432,245 @@
     </p:spTree>
     <p:extLst>
       <p:ext uri="{BB962C8B-B14F-4D97-AF65-F5344CB8AC3E}">
-        <p14:creationId xmlns:p14="http://schemas.microsoft.com/office/powerpoint/2010/main" val="1773978636"/>
+        <p14:creationId xmlns:p14="http://schemas.microsoft.com/office/powerpoint/2010/main" val="404985722"/>
+      </p:ext>
+    </p:extLst>
+  </p:cSld>
+  <p:clrMapOvr>
+    <a:masterClrMapping/>
+  </p:clrMapOvr>
+  <p:transition xmlns:p14="http://schemas.microsoft.com/office/powerpoint/2010/main" spd="slow">
+    <p:push dir="u"/>
+  </p:transition>
+  <p:timing>
+    <p:tnLst>
+      <p:par>
+        <p:cTn xmlns:p14="http://schemas.microsoft.com/office/powerpoint/2010/main" id="1" dur="indefinite" restart="never" nodeType="tmRoot"/>
+      </p:par>
+    </p:tnLst>
+  </p:timing>
+</p:sld>
+</file>
+
+<file path=ppt/slides/slide8.xml><?xml version="1.0" encoding="utf-8"?>
+<p:sld xmlns:a="http://schemas.openxmlformats.org/drawingml/2006/main" xmlns:r="http://schemas.openxmlformats.org/officeDocument/2006/relationships" xmlns:p="http://schemas.openxmlformats.org/presentationml/2006/main">
+  <p:cSld>
+    <p:bg>
+      <p:bgPr>
+        <a:blipFill dpi="0" rotWithShape="1">
+          <a:blip r:embed="rId2">
+            <a:lum/>
+          </a:blip>
+          <a:srcRect/>
+          <a:stretch>
+            <a:fillRect/>
+          </a:stretch>
+        </a:blipFill>
+        <a:effectLst/>
+      </p:bgPr>
+    </p:bg>
+    <p:spTree>
+      <p:nvGrpSpPr>
+        <p:cNvPr id="1" name=""/>
+        <p:cNvGrpSpPr/>
+        <p:nvPr/>
+      </p:nvGrpSpPr>
+      <p:grpSpPr>
+        <a:xfrm>
+          <a:off x="0" y="0"/>
+          <a:ext cx="0" cy="0"/>
+          <a:chOff x="0" y="0"/>
+          <a:chExt cx="0" cy="0"/>
+        </a:xfrm>
+      </p:grpSpPr>
+      <p:sp>
+        <p:nvSpPr>
+          <p:cNvPr id="2" name="Título 1"/>
+          <p:cNvSpPr>
+            <a:spLocks noGrp="1"/>
+          </p:cNvSpPr>
+          <p:nvPr>
+            <p:ph type="title"/>
+          </p:nvPr>
+        </p:nvSpPr>
+        <p:spPr/>
+        <p:txBody>
+          <a:bodyPr/>
+          <a:lstStyle/>
+          <a:p>
+            <a:r>
+              <a:rPr lang="pt-BR" dirty="0" err="1" smtClean="0"/>
+              <a:t>Bower</a:t>
+            </a:r>
+            <a:r>
+              <a:rPr lang="pt-BR" dirty="0" smtClean="0"/>
+              <a:t> e </a:t>
+            </a:r>
+            <a:r>
+              <a:rPr lang="pt-BR" dirty="0" err="1" smtClean="0"/>
+              <a:t>Grunt</a:t>
+            </a:r>
+            <a:endParaRPr lang="pt-BR" dirty="0"/>
+          </a:p>
+        </p:txBody>
+      </p:sp>
+      <p:sp>
+        <p:nvSpPr>
+          <p:cNvPr id="4" name="Espaço Reservado para Texto 3"/>
+          <p:cNvSpPr>
+            <a:spLocks noGrp="1"/>
+          </p:cNvSpPr>
+          <p:nvPr>
+            <p:ph type="body" idx="1"/>
+          </p:nvPr>
+        </p:nvSpPr>
+        <p:spPr/>
+        <p:txBody>
+          <a:bodyPr/>
+          <a:lstStyle/>
+          <a:p>
+            <a:pPr marL="0" lvl="1">
+              <a:spcBef>
+                <a:spcPts val="1000"/>
+              </a:spcBef>
+            </a:pPr>
+            <a:r>
+              <a:rPr lang="pt-BR" dirty="0" smtClean="0"/>
+              <a:t>Módulo 2 – Aula </a:t>
+            </a:r>
+            <a:r>
+              <a:rPr lang="pt-BR" dirty="0"/>
+              <a:t>3</a:t>
+            </a:r>
+            <a:endParaRPr lang="pt-BR" dirty="0" smtClean="0"/>
+          </a:p>
+        </p:txBody>
+      </p:sp>
+    </p:spTree>
+    <p:extLst>
+      <p:ext uri="{BB962C8B-B14F-4D97-AF65-F5344CB8AC3E}">
+        <p14:creationId xmlns:p14="http://schemas.microsoft.com/office/powerpoint/2010/main" val="3287997324"/>
+      </p:ext>
+    </p:extLst>
+  </p:cSld>
+  <p:clrMapOvr>
+    <a:masterClrMapping/>
+  </p:clrMapOvr>
+  <p:transition xmlns:p14="http://schemas.microsoft.com/office/powerpoint/2010/main" spd="slow">
+    <p:push dir="u"/>
+  </p:transition>
+  <p:timing>
+    <p:tnLst>
+      <p:par>
+        <p:cTn xmlns:p14="http://schemas.microsoft.com/office/powerpoint/2010/main" id="1" dur="indefinite" restart="never" nodeType="tmRoot"/>
+      </p:par>
+    </p:tnLst>
+  </p:timing>
+</p:sld>
+</file>
+
+<file path=ppt/slides/slide9.xml><?xml version="1.0" encoding="utf-8"?>
+<p:sld xmlns:a="http://schemas.openxmlformats.org/drawingml/2006/main" xmlns:r="http://schemas.openxmlformats.org/officeDocument/2006/relationships" xmlns:p="http://schemas.openxmlformats.org/presentationml/2006/main">
+  <p:cSld>
+    <p:bg>
+      <p:bgPr>
+        <a:blipFill dpi="0" rotWithShape="1">
+          <a:blip r:embed="rId2">
+            <a:lum/>
+          </a:blip>
+          <a:srcRect/>
+          <a:stretch>
+            <a:fillRect/>
+          </a:stretch>
+        </a:blipFill>
+        <a:effectLst/>
+      </p:bgPr>
+    </p:bg>
+    <p:spTree>
+      <p:nvGrpSpPr>
+        <p:cNvPr id="1" name=""/>
+        <p:cNvGrpSpPr/>
+        <p:nvPr/>
+      </p:nvGrpSpPr>
+      <p:grpSpPr>
+        <a:xfrm>
+          <a:off x="0" y="0"/>
+          <a:ext cx="0" cy="0"/>
+          <a:chOff x="0" y="0"/>
+          <a:chExt cx="0" cy="0"/>
+        </a:xfrm>
+      </p:grpSpPr>
+      <p:sp>
+        <p:nvSpPr>
+          <p:cNvPr id="2" name="Título 1"/>
+          <p:cNvSpPr>
+            <a:spLocks noGrp="1"/>
+          </p:cNvSpPr>
+          <p:nvPr>
+            <p:ph type="title"/>
+          </p:nvPr>
+        </p:nvSpPr>
+        <p:spPr/>
+        <p:txBody>
+          <a:bodyPr/>
+          <a:lstStyle/>
+          <a:p>
+            <a:r>
+              <a:rPr lang="pt-BR" dirty="0" err="1" smtClean="0"/>
+              <a:t>Bower</a:t>
+            </a:r>
+            <a:endParaRPr lang="pt-BR" dirty="0"/>
+          </a:p>
+        </p:txBody>
+      </p:sp>
+      <p:sp>
+        <p:nvSpPr>
+          <p:cNvPr id="5" name="Espaço Reservado para Conteúdo 4"/>
+          <p:cNvSpPr>
+            <a:spLocks noGrp="1"/>
+          </p:cNvSpPr>
+          <p:nvPr>
+            <p:ph idx="1"/>
+          </p:nvPr>
+        </p:nvSpPr>
+        <p:spPr/>
+        <p:txBody>
+          <a:bodyPr/>
+          <a:lstStyle/>
+          <a:p>
+            <a:r>
+              <a:rPr lang="pt-BR" dirty="0" smtClean="0"/>
+              <a:t>Gerenciador de pacotes</a:t>
+            </a:r>
+          </a:p>
+          <a:p>
+            <a:r>
+              <a:rPr lang="pt-BR" dirty="0" smtClean="0"/>
+              <a:t>Muito utilizado na gest</a:t>
+            </a:r>
+            <a:r>
+              <a:rPr lang="pt-BR" dirty="0" smtClean="0"/>
+              <a:t>ão de pacotes para front-</a:t>
+            </a:r>
+            <a:r>
+              <a:rPr lang="pt-BR" dirty="0" err="1" smtClean="0"/>
+              <a:t>end</a:t>
+            </a:r>
+            <a:endParaRPr lang="pt-BR" dirty="0" smtClean="0"/>
+          </a:p>
+          <a:p>
+            <a:r>
+              <a:rPr lang="pt-BR" dirty="0" smtClean="0"/>
+              <a:t>Instalado via NPM</a:t>
+            </a:r>
+            <a:endParaRPr lang="pt-BR" dirty="0" smtClean="0"/>
+          </a:p>
+        </p:txBody>
+      </p:sp>
+    </p:spTree>
+    <p:extLst>
+      <p:ext uri="{BB962C8B-B14F-4D97-AF65-F5344CB8AC3E}">
+        <p14:creationId xmlns:p14="http://schemas.microsoft.com/office/powerpoint/2010/main" val="498542378"/>
       </p:ext>
     </p:extLst>
   </p:cSld>
@@ -4089,7 +5885,7 @@
   <a:extraClrSchemeLst/>
   <a:extLst>
     <a:ext uri="{05A4C25C-085E-4340-85A3-A5531E510DB2}">
-      <thm15:themeFamily xmlns:thm15="http://schemas.microsoft.com/office/thememl/2012/main" xmlns="" name="Office Theme" id="{62F939B6-93AF-4DB8-9C6B-D6C7DFDC589F}" vid="{4A3C46E8-61CC-4603-A589-7422A47A8E4A}"/>
+      <thm15:themeFamily xmlns="" xmlns:thm15="http://schemas.microsoft.com/office/thememl/2012/main" name="Office Theme" id="{62F939B6-93AF-4DB8-9C6B-D6C7DFDC589F}" vid="{4A3C46E8-61CC-4603-A589-7422A47A8E4A}"/>
     </a:ext>
   </a:extLst>
 </a:theme>
